--- a/Presentaciones/1. Contenido Asignatura.pptx
+++ b/Presentaciones/1. Contenido Asignatura.pptx
@@ -128,8 +128,8 @@
 <pc:chgInfo xmlns:a="http://schemas.openxmlformats.org/drawingml/2006/main" xmlns:r="http://schemas.openxmlformats.org/officeDocument/2006/relationships" xmlns:ac="http://schemas.microsoft.com/office/drawing/2013/main/command" xmlns:pc="http://schemas.microsoft.com/office/powerpoint/2013/main/command">
   <pc:docChgLst>
     <pc:chgData name="Juan David Pareja Soto" userId="dc01c613a80ff411" providerId="LiveId" clId="{E514BF03-5E1B-43C8-B5D9-F03DB28F2014}"/>
-    <pc:docChg chg="delSld">
-      <pc:chgData name="Juan David Pareja Soto" userId="dc01c613a80ff411" providerId="LiveId" clId="{E514BF03-5E1B-43C8-B5D9-F03DB28F2014}" dt="2018-08-01T22:51:35.426" v="0" actId="2696"/>
+    <pc:docChg chg="delSld modSld">
+      <pc:chgData name="Juan David Pareja Soto" userId="dc01c613a80ff411" providerId="LiveId" clId="{E514BF03-5E1B-43C8-B5D9-F03DB28F2014}" dt="2018-08-02T12:00:34.581" v="8" actId="15"/>
       <pc:docMkLst>
         <pc:docMk/>
       </pc:docMkLst>
@@ -139,6 +139,21 @@
           <pc:docMk/>
           <pc:sldMk cId="724123977" sldId="263"/>
         </pc:sldMkLst>
+      </pc:sldChg>
+      <pc:sldChg chg="modSp">
+        <pc:chgData name="Juan David Pareja Soto" userId="dc01c613a80ff411" providerId="LiveId" clId="{E514BF03-5E1B-43C8-B5D9-F03DB28F2014}" dt="2018-08-02T12:00:34.581" v="8" actId="15"/>
+        <pc:sldMkLst>
+          <pc:docMk/>
+          <pc:sldMk cId="3470588901" sldId="272"/>
+        </pc:sldMkLst>
+        <pc:spChg chg="mod">
+          <ac:chgData name="Juan David Pareja Soto" userId="dc01c613a80ff411" providerId="LiveId" clId="{E514BF03-5E1B-43C8-B5D9-F03DB28F2014}" dt="2018-08-02T12:00:34.581" v="8" actId="15"/>
+          <ac:spMkLst>
+            <pc:docMk/>
+            <pc:sldMk cId="3470588901" sldId="272"/>
+            <ac:spMk id="3" creationId="{B97BE1C7-D200-4A09-A893-D50805E4E45A}"/>
+          </ac:spMkLst>
+        </pc:spChg>
       </pc:sldChg>
     </pc:docChg>
   </pc:docChgLst>
@@ -227,7 +242,7 @@
           <a:p>
             <a:fld id="{E4B0D690-8AFA-4190-91CA-93D164836BC5}" type="datetimeFigureOut">
               <a:rPr lang="es-CO" smtClean="0"/>
-              <a:t>1/08/2018</a:t>
+              <a:t>2/08/2018</a:t>
             </a:fld>
             <a:endParaRPr lang="es-CO"/>
           </a:p>
@@ -779,7 +794,7 @@
           <a:p>
             <a:fld id="{4D459765-66A3-4114-9514-A57B5A254277}" type="datetimeFigureOut">
               <a:rPr lang="es-ES" smtClean="0"/>
-              <a:t>01/08/2018</a:t>
+              <a:t>02/08/2018</a:t>
             </a:fld>
             <a:endParaRPr lang="es-ES"/>
           </a:p>
@@ -969,7 +984,7 @@
           <a:p>
             <a:fld id="{4D459765-66A3-4114-9514-A57B5A254277}" type="datetimeFigureOut">
               <a:rPr lang="es-ES" smtClean="0"/>
-              <a:t>01/08/2018</a:t>
+              <a:t>02/08/2018</a:t>
             </a:fld>
             <a:endParaRPr lang="es-ES"/>
           </a:p>
@@ -1149,7 +1164,7 @@
           <a:p>
             <a:fld id="{4D459765-66A3-4114-9514-A57B5A254277}" type="datetimeFigureOut">
               <a:rPr lang="es-ES" smtClean="0"/>
-              <a:t>01/08/2018</a:t>
+              <a:t>02/08/2018</a:t>
             </a:fld>
             <a:endParaRPr lang="es-ES"/>
           </a:p>
@@ -1452,7 +1467,7 @@
           <a:p>
             <a:fld id="{4D459765-66A3-4114-9514-A57B5A254277}" type="datetimeFigureOut">
               <a:rPr lang="es-ES" smtClean="0"/>
-              <a:t>01/08/2018</a:t>
+              <a:t>02/08/2018</a:t>
             </a:fld>
             <a:endParaRPr lang="es-ES"/>
           </a:p>
@@ -1708,7 +1723,7 @@
           <a:p>
             <a:fld id="{4D459765-66A3-4114-9514-A57B5A254277}" type="datetimeFigureOut">
               <a:rPr lang="es-ES" smtClean="0"/>
-              <a:t>01/08/2018</a:t>
+              <a:t>02/08/2018</a:t>
             </a:fld>
             <a:endParaRPr lang="es-ES"/>
           </a:p>
@@ -1996,7 +2011,7 @@
           <a:p>
             <a:fld id="{4D459765-66A3-4114-9514-A57B5A254277}" type="datetimeFigureOut">
               <a:rPr lang="es-ES" smtClean="0"/>
-              <a:t>01/08/2018</a:t>
+              <a:t>02/08/2018</a:t>
             </a:fld>
             <a:endParaRPr lang="es-ES"/>
           </a:p>
@@ -2434,7 +2449,7 @@
           <a:p>
             <a:fld id="{4D459765-66A3-4114-9514-A57B5A254277}" type="datetimeFigureOut">
               <a:rPr lang="es-ES" smtClean="0"/>
-              <a:t>01/08/2018</a:t>
+              <a:t>02/08/2018</a:t>
             </a:fld>
             <a:endParaRPr lang="es-ES"/>
           </a:p>
@@ -2552,7 +2567,7 @@
           <a:p>
             <a:fld id="{4D459765-66A3-4114-9514-A57B5A254277}" type="datetimeFigureOut">
               <a:rPr lang="es-ES" smtClean="0"/>
-              <a:t>01/08/2018</a:t>
+              <a:t>02/08/2018</a:t>
             </a:fld>
             <a:endParaRPr lang="es-ES"/>
           </a:p>
@@ -2647,7 +2662,7 @@
           <a:p>
             <a:fld id="{4D459765-66A3-4114-9514-A57B5A254277}" type="datetimeFigureOut">
               <a:rPr lang="es-ES" smtClean="0"/>
-              <a:t>01/08/2018</a:t>
+              <a:t>02/08/2018</a:t>
             </a:fld>
             <a:endParaRPr lang="es-ES"/>
           </a:p>
@@ -3003,7 +3018,7 @@
           <a:p>
             <a:fld id="{4D459765-66A3-4114-9514-A57B5A254277}" type="datetimeFigureOut">
               <a:rPr lang="es-ES" smtClean="0"/>
-              <a:t>01/08/2018</a:t>
+              <a:t>02/08/2018</a:t>
             </a:fld>
             <a:endParaRPr lang="es-ES"/>
           </a:p>
@@ -3319,7 +3334,7 @@
           <a:p>
             <a:fld id="{4D459765-66A3-4114-9514-A57B5A254277}" type="datetimeFigureOut">
               <a:rPr lang="es-ES" smtClean="0"/>
-              <a:t>01/08/2018</a:t>
+              <a:t>02/08/2018</a:t>
             </a:fld>
             <a:endParaRPr lang="es-ES"/>
           </a:p>
@@ -3552,7 +3567,7 @@
           <a:p>
             <a:fld id="{4D459765-66A3-4114-9514-A57B5A254277}" type="datetimeFigureOut">
               <a:rPr lang="es-ES" smtClean="0"/>
-              <a:t>01/08/2018</a:t>
+              <a:t>02/08/2018</a:t>
             </a:fld>
             <a:endParaRPr lang="es-ES"/>
           </a:p>
@@ -5053,6 +5068,55 @@
               <a:rPr lang="es-CO" dirty="0"/>
               <a:t>Realizar el registro en Correo de Unitrópico, GitHub y Visual Studio Dev Essentials</a:t>
             </a:r>
+          </a:p>
+          <a:p>
+            <a:pPr marL="457200" indent="-457200">
+              <a:buFont typeface="+mj-lt"/>
+              <a:buAutoNum type="arabicPeriod"/>
+            </a:pPr>
+            <a:endParaRPr lang="es-CO" dirty="0"/>
+          </a:p>
+          <a:p>
+            <a:pPr marL="457200" lvl="2" indent="0">
+              <a:buNone/>
+            </a:pPr>
+            <a:r>
+              <a:rPr lang="es-ES" dirty="0"/>
+              <a:t>1. https://github.com</a:t>
+            </a:r>
+          </a:p>
+          <a:p>
+            <a:pPr marL="914400" lvl="2" indent="-457200">
+              <a:buFont typeface="+mj-lt"/>
+              <a:buAutoNum type="arabicPeriod"/>
+            </a:pPr>
+            <a:endParaRPr lang="es-ES" dirty="0"/>
+          </a:p>
+          <a:p>
+            <a:pPr marL="457200" lvl="2" indent="0">
+              <a:buNone/>
+            </a:pPr>
+            <a:r>
+              <a:rPr lang="es-ES" dirty="0"/>
+              <a:t>2. Buscar a parejajd</a:t>
+            </a:r>
+          </a:p>
+          <a:p>
+            <a:pPr marL="914400" lvl="2" indent="-457200">
+              <a:buFont typeface="+mj-lt"/>
+              <a:buAutoNum type="arabicPeriod"/>
+            </a:pPr>
+            <a:endParaRPr lang="es-ES" dirty="0"/>
+          </a:p>
+          <a:p>
+            <a:pPr marL="457200" lvl="2" indent="0">
+              <a:buNone/>
+            </a:pPr>
+            <a:r>
+              <a:rPr lang="es-ES" dirty="0"/>
+              <a:t>3. Descargar el contenido del curso</a:t>
+            </a:r>
+            <a:endParaRPr lang="es-CO" dirty="0"/>
           </a:p>
           <a:p>
             <a:pPr marL="457200" indent="-457200">
